--- a/set-T101389/recording/T101389-Scenario1-v20210920.pptx
+++ b/set-T101389/recording/T101389-Scenario1-v20210920.pptx
@@ -3355,8 +3355,8 @@
         </p:nvSpPr>
         <p:spPr>
           <a:xfrm>
-            <a:off x="1524000" y="2144682"/>
-            <a:ext cx="9144000" cy="716887"/>
+            <a:off x="1062566" y="2187015"/>
+            <a:ext cx="9812867" cy="716887"/>
           </a:xfrm>
         </p:spPr>
         <p:txBody>
@@ -3373,17 +3373,8 @@
                 <a:effectLst/>
                 <a:latin typeface="-apple-system"/>
               </a:rPr>
-              <a:t>Unified Data Catalog for Military Aircraft</a:t>
-            </a:r>
-            <a:br>
-              <a:rPr lang="en-US" sz="4000" b="1" i="0" dirty="0">
-                <a:solidFill>
-                  <a:srgbClr val="24292F"/>
-                </a:solidFill>
-                <a:effectLst/>
-                <a:latin typeface="-apple-system"/>
-              </a:rPr>
-            </a:br>
+              <a:t>Demo: Unified Data Catalog for Military Aircraft</a:t>
+            </a:r>
             <a:endParaRPr lang="en-US" sz="4000" dirty="0"/>
           </a:p>
         </p:txBody>
@@ -3406,7 +3397,7 @@
         </p:nvSpPr>
         <p:spPr>
           <a:xfrm>
-            <a:off x="1645150" y="5833224"/>
+            <a:off x="1397000" y="5613091"/>
             <a:ext cx="9144000" cy="567267"/>
           </a:xfrm>
         </p:spPr>
@@ -3451,8 +3442,8 @@
         </p:nvSpPr>
         <p:spPr>
           <a:xfrm>
-            <a:off x="2171700" y="3045027"/>
-            <a:ext cx="7620693" cy="767946"/>
+            <a:off x="1257829" y="3270819"/>
+            <a:ext cx="9422342" cy="767946"/>
           </a:xfrm>
           <a:prstGeom prst="rect">
             <a:avLst/>
@@ -3628,10 +3619,9 @@
           </a:lstStyle>
           <a:p>
             <a:r>
-              <a:rPr lang="en-US" b="1"/>
-              <a:t>Scenario 1: Index Dataset &amp; Enrich the Catalog</a:t>
-            </a:r>
-            <a:endParaRPr lang="en-US" b="1" dirty="0"/>
+              <a:rPr lang="en-US" b="1" dirty="0"/>
+              <a:t>Scenario 1: Index Dataset &amp; Enrich Catalog with Metadata Import</a:t>
+            </a:r>
           </a:p>
         </p:txBody>
       </p:sp>
